--- a/interface_documents/sample_ppt/1165_HadoopSiteMapping.pptx
+++ b/interface_documents/sample_ppt/1165_HadoopSiteMapping.pptx
@@ -288,7 +288,7 @@
           <a:p>
             <a:fld id="{FDC849C5-3CDF-4295-A86F-025B88D1CBED}" type="datetimeFigureOut">
               <a:rPr lang="en-US" smtClean="0"/>
-              <a:t>5/18/2020</a:t>
+              <a:t>5/19/2020</a:t>
             </a:fld>
             <a:endParaRPr lang="en-US"/>
           </a:p>
@@ -458,7 +458,7 @@
           <a:p>
             <a:fld id="{FDC849C5-3CDF-4295-A86F-025B88D1CBED}" type="datetimeFigureOut">
               <a:rPr lang="en-US" smtClean="0"/>
-              <a:t>5/18/2020</a:t>
+              <a:t>5/19/2020</a:t>
             </a:fld>
             <a:endParaRPr lang="en-US"/>
           </a:p>
@@ -638,7 +638,7 @@
           <a:p>
             <a:fld id="{FDC849C5-3CDF-4295-A86F-025B88D1CBED}" type="datetimeFigureOut">
               <a:rPr lang="en-US" smtClean="0"/>
-              <a:t>5/18/2020</a:t>
+              <a:t>5/19/2020</a:t>
             </a:fld>
             <a:endParaRPr lang="en-US"/>
           </a:p>
@@ -808,7 +808,7 @@
           <a:p>
             <a:fld id="{FDC849C5-3CDF-4295-A86F-025B88D1CBED}" type="datetimeFigureOut">
               <a:rPr lang="en-US" smtClean="0"/>
-              <a:t>5/18/2020</a:t>
+              <a:t>5/19/2020</a:t>
             </a:fld>
             <a:endParaRPr lang="en-US"/>
           </a:p>
@@ -1054,7 +1054,7 @@
           <a:p>
             <a:fld id="{FDC849C5-3CDF-4295-A86F-025B88D1CBED}" type="datetimeFigureOut">
               <a:rPr lang="en-US" smtClean="0"/>
-              <a:t>5/18/2020</a:t>
+              <a:t>5/19/2020</a:t>
             </a:fld>
             <a:endParaRPr lang="en-US"/>
           </a:p>
@@ -1342,7 +1342,7 @@
           <a:p>
             <a:fld id="{FDC849C5-3CDF-4295-A86F-025B88D1CBED}" type="datetimeFigureOut">
               <a:rPr lang="en-US" smtClean="0"/>
-              <a:t>5/18/2020</a:t>
+              <a:t>5/19/2020</a:t>
             </a:fld>
             <a:endParaRPr lang="en-US"/>
           </a:p>
@@ -1764,7 +1764,7 @@
           <a:p>
             <a:fld id="{FDC849C5-3CDF-4295-A86F-025B88D1CBED}" type="datetimeFigureOut">
               <a:rPr lang="en-US" smtClean="0"/>
-              <a:t>5/18/2020</a:t>
+              <a:t>5/19/2020</a:t>
             </a:fld>
             <a:endParaRPr lang="en-US"/>
           </a:p>
@@ -1882,7 +1882,7 @@
           <a:p>
             <a:fld id="{FDC849C5-3CDF-4295-A86F-025B88D1CBED}" type="datetimeFigureOut">
               <a:rPr lang="en-US" smtClean="0"/>
-              <a:t>5/18/2020</a:t>
+              <a:t>5/19/2020</a:t>
             </a:fld>
             <a:endParaRPr lang="en-US"/>
           </a:p>
@@ -1977,7 +1977,7 @@
           <a:p>
             <a:fld id="{FDC849C5-3CDF-4295-A86F-025B88D1CBED}" type="datetimeFigureOut">
               <a:rPr lang="en-US" smtClean="0"/>
-              <a:t>5/18/2020</a:t>
+              <a:t>5/19/2020</a:t>
             </a:fld>
             <a:endParaRPr lang="en-US"/>
           </a:p>
@@ -2254,7 +2254,7 @@
           <a:p>
             <a:fld id="{FDC849C5-3CDF-4295-A86F-025B88D1CBED}" type="datetimeFigureOut">
               <a:rPr lang="en-US" smtClean="0"/>
-              <a:t>5/18/2020</a:t>
+              <a:t>5/19/2020</a:t>
             </a:fld>
             <a:endParaRPr lang="en-US"/>
           </a:p>
@@ -2507,7 +2507,7 @@
           <a:p>
             <a:fld id="{FDC849C5-3CDF-4295-A86F-025B88D1CBED}" type="datetimeFigureOut">
               <a:rPr lang="en-US" smtClean="0"/>
-              <a:t>5/18/2020</a:t>
+              <a:t>5/19/2020</a:t>
             </a:fld>
             <a:endParaRPr lang="en-US"/>
           </a:p>
@@ -2720,7 +2720,7 @@
           <a:p>
             <a:fld id="{FDC849C5-3CDF-4295-A86F-025B88D1CBED}" type="datetimeFigureOut">
               <a:rPr lang="en-US" smtClean="0"/>
-              <a:t>5/18/2020</a:t>
+              <a:t>5/19/2020</a:t>
             </a:fld>
             <a:endParaRPr lang="en-US"/>
           </a:p>
@@ -3250,17 +3250,17 @@
           </a:prstGeom>
         </p:spPr>
         <p:style>
-          <a:lnRef idx="0">
-            <a:schemeClr val="accent4"/>
+          <a:lnRef idx="1">
+            <a:schemeClr val="dk1"/>
           </a:lnRef>
-          <a:fillRef idx="3">
-            <a:schemeClr val="accent4"/>
+          <a:fillRef idx="2">
+            <a:schemeClr val="dk1"/>
           </a:fillRef>
-          <a:effectRef idx="3">
-            <a:schemeClr val="accent4"/>
+          <a:effectRef idx="1">
+            <a:schemeClr val="dk1"/>
           </a:effectRef>
           <a:fontRef idx="minor">
-            <a:schemeClr val="lt1"/>
+            <a:schemeClr val="dk1"/>
           </a:fontRef>
         </p:style>
         <p:txBody>
@@ -3500,8 +3500,8 @@
         </p:nvSpPr>
         <p:spPr>
           <a:xfrm>
-            <a:off x="1321558" y="5724667"/>
-            <a:ext cx="2962132" cy="1388944"/>
+            <a:off x="1297674" y="5525637"/>
+            <a:ext cx="2345993" cy="1103763"/>
           </a:xfrm>
           <a:prstGeom prst="roundRect">
             <a:avLst/>
@@ -3528,22 +3528,11 @@
             <a:pPr algn="ctr"/>
             <a:r>
               <a:rPr lang="en-US" dirty="0" smtClean="0"/>
-              <a:t>Invoke service </a:t>
-            </a:r>
-          </a:p>
-          <a:p>
-            <a:pPr algn="ctr"/>
-            <a:r>
-              <a:rPr lang="en-US" dirty="0" smtClean="0"/>
               <a:t>Update the status into </a:t>
             </a:r>
             <a:r>
               <a:rPr lang="en-US" dirty="0" err="1" smtClean="0"/>
-              <a:t>lacci_data</a:t>
-            </a:r>
-            <a:r>
-              <a:rPr lang="en-US" dirty="0" smtClean="0"/>
-              <a:t> table</a:t>
+              <a:t>summarytable</a:t>
             </a:r>
             <a:endParaRPr lang="en-US" dirty="0"/>
           </a:p>
@@ -3599,17 +3588,17 @@
           </a:prstGeom>
         </p:spPr>
         <p:style>
-          <a:lnRef idx="0">
-            <a:schemeClr val="accent4"/>
+          <a:lnRef idx="1">
+            <a:schemeClr val="dk1"/>
           </a:lnRef>
-          <a:fillRef idx="3">
-            <a:schemeClr val="accent4"/>
+          <a:fillRef idx="2">
+            <a:schemeClr val="dk1"/>
           </a:fillRef>
-          <a:effectRef idx="3">
-            <a:schemeClr val="accent4"/>
+          <a:effectRef idx="1">
+            <a:schemeClr val="dk1"/>
           </a:effectRef>
           <a:fontRef idx="minor">
-            <a:schemeClr val="lt1"/>
+            <a:schemeClr val="dk1"/>
           </a:fontRef>
         </p:style>
         <p:txBody>
@@ -3618,8 +3607,8 @@
           <a:p>
             <a:pPr algn="ctr"/>
             <a:r>
-              <a:rPr lang="en-US" b="1" dirty="0" err="1" smtClean="0"/>
-              <a:t>HDPRejectionFilePreparation</a:t>
+              <a:rPr lang="en-US" b="1" smtClean="0"/>
+              <a:t>HDPMasterRejectionFilePreparation</a:t>
             </a:r>
             <a:endParaRPr lang="en-US" b="1" dirty="0" smtClean="0"/>
           </a:p>
@@ -3644,9 +3633,9 @@
           <p:nvPr/>
         </p:nvCxnSpPr>
         <p:spPr>
-          <a:xfrm rot="16200000" flipH="1">
-            <a:off x="6521497" y="4218153"/>
-            <a:ext cx="749206" cy="685800"/>
+          <a:xfrm rot="5400000">
+            <a:off x="6593864" y="3974916"/>
+            <a:ext cx="1605876" cy="315604"/>
           </a:xfrm>
           <a:prstGeom prst="curvedConnector3">
             <a:avLst>
@@ -3748,6 +3737,300 @@
           </a:p>
         </p:txBody>
       </p:sp>
+      <p:cxnSp>
+        <p:nvCxnSpPr>
+          <p:cNvPr id="8" name="Curved Connector 7"/>
+          <p:cNvCxnSpPr/>
+          <p:nvPr/>
+        </p:nvCxnSpPr>
+        <p:spPr>
+          <a:xfrm rot="5400000">
+            <a:off x="2688225" y="2002424"/>
+            <a:ext cx="719551" cy="304800"/>
+          </a:xfrm>
+          <a:prstGeom prst="curvedConnector3">
+            <a:avLst/>
+          </a:prstGeom>
+          <a:ln>
+            <a:headEnd type="arrow"/>
+            <a:tailEnd type="arrow"/>
+          </a:ln>
+        </p:spPr>
+        <p:style>
+          <a:lnRef idx="3">
+            <a:schemeClr val="accent3"/>
+          </a:lnRef>
+          <a:fillRef idx="0">
+            <a:schemeClr val="accent3"/>
+          </a:fillRef>
+          <a:effectRef idx="2">
+            <a:schemeClr val="accent3"/>
+          </a:effectRef>
+          <a:fontRef idx="minor">
+            <a:schemeClr val="tx1"/>
+          </a:fontRef>
+        </p:style>
+      </p:cxnSp>
+      <p:cxnSp>
+        <p:nvCxnSpPr>
+          <p:cNvPr id="20" name="Curved Connector 19"/>
+          <p:cNvCxnSpPr/>
+          <p:nvPr/>
+        </p:nvCxnSpPr>
+        <p:spPr>
+          <a:xfrm rot="5400000">
+            <a:off x="2290448" y="3674274"/>
+            <a:ext cx="719551" cy="304800"/>
+          </a:xfrm>
+          <a:prstGeom prst="curvedConnector3">
+            <a:avLst>
+              <a:gd name="adj1" fmla="val 53793"/>
+            </a:avLst>
+          </a:prstGeom>
+          <a:ln>
+            <a:headEnd type="arrow"/>
+            <a:tailEnd type="arrow"/>
+          </a:ln>
+        </p:spPr>
+        <p:style>
+          <a:lnRef idx="3">
+            <a:schemeClr val="accent2"/>
+          </a:lnRef>
+          <a:fillRef idx="0">
+            <a:schemeClr val="accent2"/>
+          </a:fillRef>
+          <a:effectRef idx="2">
+            <a:schemeClr val="accent2"/>
+          </a:effectRef>
+          <a:fontRef idx="minor">
+            <a:schemeClr val="tx1"/>
+          </a:fontRef>
+        </p:style>
+      </p:cxnSp>
+      <p:sp>
+        <p:nvSpPr>
+          <p:cNvPr id="22" name="TextBox 21"/>
+          <p:cNvSpPr txBox="1"/>
+          <p:nvPr/>
+        </p:nvSpPr>
+        <p:spPr>
+          <a:xfrm>
+            <a:off x="3689727" y="1241798"/>
+            <a:ext cx="808062" cy="276999"/>
+          </a:xfrm>
+          <a:prstGeom prst="rect">
+            <a:avLst/>
+          </a:prstGeom>
+          <a:noFill/>
+        </p:spPr>
+        <p:txBody>
+          <a:bodyPr wrap="square" rtlCol="0">
+            <a:spAutoFit/>
+          </a:bodyPr>
+          <a:lstStyle/>
+          <a:p>
+            <a:r>
+              <a:rPr lang="en-US" sz="1200" b="1" dirty="0" smtClean="0">
+                <a:solidFill>
+                  <a:schemeClr val="bg1"/>
+                </a:solidFill>
+              </a:rPr>
+              <a:t>If fail</a:t>
+            </a:r>
+            <a:endParaRPr lang="en-US" sz="1200" b="1" dirty="0">
+              <a:solidFill>
+                <a:schemeClr val="bg1"/>
+              </a:solidFill>
+            </a:endParaRPr>
+          </a:p>
+        </p:txBody>
+      </p:sp>
+      <p:sp>
+        <p:nvSpPr>
+          <p:cNvPr id="23" name="TextBox 22"/>
+          <p:cNvSpPr txBox="1"/>
+          <p:nvPr/>
+        </p:nvSpPr>
+        <p:spPr>
+          <a:xfrm>
+            <a:off x="4052815" y="2486292"/>
+            <a:ext cx="808062" cy="276999"/>
+          </a:xfrm>
+          <a:prstGeom prst="rect">
+            <a:avLst/>
+          </a:prstGeom>
+          <a:noFill/>
+        </p:spPr>
+        <p:txBody>
+          <a:bodyPr wrap="square" rtlCol="0">
+            <a:spAutoFit/>
+          </a:bodyPr>
+          <a:lstStyle/>
+          <a:p>
+            <a:r>
+              <a:rPr lang="en-US" sz="1200" b="1" dirty="0" smtClean="0">
+                <a:solidFill>
+                  <a:schemeClr val="bg1"/>
+                </a:solidFill>
+              </a:rPr>
+              <a:t>If fail</a:t>
+            </a:r>
+            <a:endParaRPr lang="en-US" sz="1200" b="1" dirty="0">
+              <a:solidFill>
+                <a:schemeClr val="bg1"/>
+              </a:solidFill>
+            </a:endParaRPr>
+          </a:p>
+        </p:txBody>
+      </p:sp>
+      <p:sp>
+        <p:nvSpPr>
+          <p:cNvPr id="24" name="TextBox 23"/>
+          <p:cNvSpPr txBox="1"/>
+          <p:nvPr/>
+        </p:nvSpPr>
+        <p:spPr>
+          <a:xfrm>
+            <a:off x="4680611" y="3466898"/>
+            <a:ext cx="808062" cy="276999"/>
+          </a:xfrm>
+          <a:prstGeom prst="rect">
+            <a:avLst/>
+          </a:prstGeom>
+          <a:noFill/>
+        </p:spPr>
+        <p:txBody>
+          <a:bodyPr wrap="square" rtlCol="0">
+            <a:spAutoFit/>
+          </a:bodyPr>
+          <a:lstStyle/>
+          <a:p>
+            <a:r>
+              <a:rPr lang="en-US" sz="1200" b="1" dirty="0" smtClean="0">
+                <a:solidFill>
+                  <a:schemeClr val="bg1"/>
+                </a:solidFill>
+              </a:rPr>
+              <a:t>If fail</a:t>
+            </a:r>
+            <a:endParaRPr lang="en-US" sz="1200" b="1" dirty="0">
+              <a:solidFill>
+                <a:schemeClr val="bg1"/>
+              </a:solidFill>
+            </a:endParaRPr>
+          </a:p>
+        </p:txBody>
+      </p:sp>
+      <p:sp>
+        <p:nvSpPr>
+          <p:cNvPr id="25" name="TextBox 24"/>
+          <p:cNvSpPr txBox="1"/>
+          <p:nvPr/>
+        </p:nvSpPr>
+        <p:spPr>
+          <a:xfrm>
+            <a:off x="2262969" y="2195517"/>
+            <a:ext cx="808062" cy="276999"/>
+          </a:xfrm>
+          <a:prstGeom prst="rect">
+            <a:avLst/>
+          </a:prstGeom>
+          <a:noFill/>
+        </p:spPr>
+        <p:txBody>
+          <a:bodyPr wrap="square" rtlCol="0">
+            <a:spAutoFit/>
+          </a:bodyPr>
+          <a:lstStyle/>
+          <a:p>
+            <a:r>
+              <a:rPr lang="en-US" sz="1200" b="1" dirty="0" smtClean="0">
+                <a:solidFill>
+                  <a:schemeClr val="bg1"/>
+                </a:solidFill>
+              </a:rPr>
+              <a:t>If success</a:t>
+            </a:r>
+            <a:endParaRPr lang="en-US" sz="1200" b="1" dirty="0">
+              <a:solidFill>
+                <a:schemeClr val="bg1"/>
+              </a:solidFill>
+            </a:endParaRPr>
+          </a:p>
+        </p:txBody>
+      </p:sp>
+      <p:sp>
+        <p:nvSpPr>
+          <p:cNvPr id="26" name="TextBox 25"/>
+          <p:cNvSpPr txBox="1"/>
+          <p:nvPr/>
+        </p:nvSpPr>
+        <p:spPr>
+          <a:xfrm>
+            <a:off x="2835605" y="3549675"/>
+            <a:ext cx="808062" cy="276999"/>
+          </a:xfrm>
+          <a:prstGeom prst="rect">
+            <a:avLst/>
+          </a:prstGeom>
+          <a:noFill/>
+        </p:spPr>
+        <p:txBody>
+          <a:bodyPr wrap="square" rtlCol="0">
+            <a:spAutoFit/>
+          </a:bodyPr>
+          <a:lstStyle/>
+          <a:p>
+            <a:r>
+              <a:rPr lang="en-US" sz="1200" b="1" dirty="0" smtClean="0">
+                <a:solidFill>
+                  <a:schemeClr val="bg1"/>
+                </a:solidFill>
+              </a:rPr>
+              <a:t>If success</a:t>
+            </a:r>
+            <a:endParaRPr lang="en-US" sz="1200" b="1" dirty="0">
+              <a:solidFill>
+                <a:schemeClr val="bg1"/>
+              </a:solidFill>
+            </a:endParaRPr>
+          </a:p>
+        </p:txBody>
+      </p:sp>
+      <p:cxnSp>
+        <p:nvCxnSpPr>
+          <p:cNvPr id="27" name="Curved Connector 26"/>
+          <p:cNvCxnSpPr/>
+          <p:nvPr/>
+        </p:nvCxnSpPr>
+        <p:spPr>
+          <a:xfrm rot="10800000" flipV="1">
+            <a:off x="3689728" y="5867400"/>
+            <a:ext cx="2177673" cy="210118"/>
+          </a:xfrm>
+          <a:prstGeom prst="curvedConnector3">
+            <a:avLst/>
+          </a:prstGeom>
+          <a:ln>
+            <a:headEnd type="arrow"/>
+            <a:tailEnd type="arrow"/>
+          </a:ln>
+        </p:spPr>
+        <p:style>
+          <a:lnRef idx="3">
+            <a:schemeClr val="dk1"/>
+          </a:lnRef>
+          <a:fillRef idx="0">
+            <a:schemeClr val="dk1"/>
+          </a:fillRef>
+          <a:effectRef idx="2">
+            <a:schemeClr val="dk1"/>
+          </a:effectRef>
+          <a:fontRef idx="minor">
+            <a:schemeClr val="tx1"/>
+          </a:fontRef>
+        </p:style>
+      </p:cxnSp>
     </p:spTree>
     <p:extLst>
       <p:ext uri="{BB962C8B-B14F-4D97-AF65-F5344CB8AC3E}">
